--- a/PowerpointTemplater.Tests/files/ReplaceTables_output2.pptx
+++ b/PowerpointTemplater.Tests/files/ReplaceTables_output2.pptx
@@ -6,10 +6,10 @@
   </p:sldMasterIdLst>
   <p:sldIdLst>
     <p:sldId id="256" r:id="rId2"/>
-    <p:sldId id="259" r:id="R1ff86f694a454de7"/>
-    <p:sldId id="260" r:id="Raed771a4f8d94095"/>
-    <p:sldId id="261" r:id="R5e0a98b27ae44cfa"/>
-    <p:sldId id="262" r:id="R0d8b644d918f499c"/>
+    <p:sldId id="259" r:id="R6b301be8236b4dfa"/>
+    <p:sldId id="260" r:id="Rf7f0a2ed2ff048f1"/>
+    <p:sldId id="261" r:id="R96f1860aee80484e"/>
+    <p:sldId id="262" r:id="R1ddf3016e4b14d9a"/>
     <p:sldId id="258" r:id="rId4"/>
   </p:sldIdLst>
   <p:sldSz cx="9144000" cy="6858000" type="screen4x3"/>
@@ -3320,7 +3320,7 @@
           </p:nvPr>
         </p:nvPicPr>
         <p:blipFill>
-          <a:blip r:embed="R33d9d1bc61a64799">
+          <a:blip r:embed="Re97bca9288aa4c79">
             <a:extLst>
               <a:ext uri="{28A0092B-C50C-407E-A947-70E740481C1C}">
                 <a14:useLocalDpi xmlns:a14="http://schemas.microsoft.com/office/drawing/2010/main" val="0"/>

--- a/PowerpointTemplater.Tests/files/ReplaceTables_output2.pptx
+++ b/PowerpointTemplater.Tests/files/ReplaceTables_output2.pptx
@@ -6,10 +6,10 @@
   </p:sldMasterIdLst>
   <p:sldIdLst>
     <p:sldId id="256" r:id="rId2"/>
-    <p:sldId id="259" r:id="R6b301be8236b4dfa"/>
-    <p:sldId id="260" r:id="Rf7f0a2ed2ff048f1"/>
-    <p:sldId id="261" r:id="R96f1860aee80484e"/>
-    <p:sldId id="262" r:id="R1ddf3016e4b14d9a"/>
+    <p:sldId id="259" r:id="R7819ab8dce9046e5"/>
+    <p:sldId id="260" r:id="R42c60ee9cf134109"/>
+    <p:sldId id="261" r:id="Rb37383fa4adf404e"/>
+    <p:sldId id="262" r:id="R2c1f7d0628a84f52"/>
     <p:sldId id="258" r:id="rId4"/>
   </p:sldIdLst>
   <p:sldSz cx="9144000" cy="6858000" type="screen4x3"/>
@@ -3320,7 +3320,7 @@
           </p:nvPr>
         </p:nvPicPr>
         <p:blipFill>
-          <a:blip r:embed="Re97bca9288aa4c79">
+          <a:blip r:embed="R393dd7aeff3a4aaf">
             <a:extLst>
               <a:ext uri="{28A0092B-C50C-407E-A947-70E740481C1C}">
                 <a14:useLocalDpi xmlns:a14="http://schemas.microsoft.com/office/drawing/2010/main" val="0"/>

--- a/PowerpointTemplater.Tests/files/ReplaceTables_output2.pptx
+++ b/PowerpointTemplater.Tests/files/ReplaceTables_output2.pptx
@@ -6,10 +6,10 @@
   </p:sldMasterIdLst>
   <p:sldIdLst>
     <p:sldId id="256" r:id="rId2"/>
-    <p:sldId id="259" r:id="R7819ab8dce9046e5"/>
-    <p:sldId id="260" r:id="R42c60ee9cf134109"/>
-    <p:sldId id="261" r:id="Rb37383fa4adf404e"/>
-    <p:sldId id="262" r:id="R2c1f7d0628a84f52"/>
+    <p:sldId id="259" r:id="Re558723a54df4521"/>
+    <p:sldId id="260" r:id="Rcad4be8865d64af2"/>
+    <p:sldId id="261" r:id="Re2d68227ceb241cd"/>
+    <p:sldId id="262" r:id="R163b06c83030451f"/>
     <p:sldId id="258" r:id="rId4"/>
   </p:sldIdLst>
   <p:sldSz cx="9144000" cy="6858000" type="screen4x3"/>
@@ -3320,7 +3320,7 @@
           </p:nvPr>
         </p:nvPicPr>
         <p:blipFill>
-          <a:blip r:embed="R393dd7aeff3a4aaf">
+          <a:blip r:embed="Redffbd0efcfc4266">
             <a:extLst>
               <a:ext uri="{28A0092B-C50C-407E-A947-70E740481C1C}">
                 <a14:useLocalDpi xmlns:a14="http://schemas.microsoft.com/office/drawing/2010/main" val="0"/>
@@ -3493,7 +3493,7 @@
                     <a:lstStyle/>
                     <a:p>
                       <a:r>
-                        <a:rPr lang="en-US" sz="1800" b="0" i="0" u="none" dirty="0" smtClean="0"/>
+                        <a:rPr lang="en-US" sz="1800" b="0" i="0" u="none" strike="noStrike" dirty="0" smtClean="0"/>
                         <a:t>1.0.1</a:t>
                       </a:r>
                       <a:endParaRPr lang="fr-FR" sz="1800" b="0" i="0" u="none" dirty="0"/>
@@ -3524,7 +3524,7 @@
                         <a:defRPr/>
                       </a:pPr>
                       <a:r>
-                        <a:rPr lang="en-US" dirty="0" smtClean="0"/>
+                        <a:rPr lang="en-US" b="0" i="0" strike="noStrike" dirty="0" smtClean="0"/>
                         <a:t>1.0.2</a:t>
                       </a:r>
                       <a:endParaRPr lang="fr-FR" dirty="0" smtClean="0"/>
@@ -3538,7 +3538,7 @@
                     <a:lstStyle/>
                     <a:p>
                       <a:r>
-                        <a:rPr lang="en-US" dirty="0" smtClean="0"/>
+                        <a:rPr lang="en-US" b="0" i="0" strike="noStrike" dirty="0" smtClean="0"/>
                         <a:t>1.0.3</a:t>
                       </a:r>
                       <a:endParaRPr lang="fr-FR" dirty="0"/>
@@ -3552,7 +3552,7 @@
                     <a:lstStyle/>
                     <a:p>
                       <a:r>
-                        <a:rPr lang="en-US" dirty="0" smtClean="0"/>
+                        <a:rPr lang="en-US" b="0" i="0" strike="noStrike" dirty="0" smtClean="0"/>
                         <a:t>1.0.4</a:t>
                       </a:r>
                       <a:endParaRPr lang="fr-FR" dirty="0"/>
@@ -3566,7 +3566,7 @@
                     <a:lstStyle/>
                     <a:p>
                       <a:r>
-                        <a:rPr lang="en-US" dirty="0" smtClean="0"/>
+                        <a:rPr lang="en-US" b="0" i="0" strike="noStrike" dirty="0" smtClean="0"/>
                         <a:t>1.0.5</a:t>
                       </a:r>
                       <a:endParaRPr lang="fr-FR" dirty="0"/>
@@ -3580,7 +3580,7 @@
                     <a:lstStyle/>
                     <a:p>
                       <a:r>
-                        <a:rPr lang="en-US" dirty="0" smtClean="0"/>
+                        <a:rPr lang="en-US" b="0" i="0" strike="noStrike" dirty="0" smtClean="0"/>
                         <a:t>1.0.6</a:t>
                       </a:r>
                       <a:endParaRPr lang="fr-FR" dirty="0"/>
@@ -3596,7 +3596,7 @@
                     <a:lstStyle/>
                     <a:p>
                       <a:r>
-                        <a:rPr lang="en-US" dirty="0" smtClean="0"/>
+                        <a:rPr lang="en-US" b="0" i="0" strike="noStrike" dirty="0" smtClean="0"/>
                         <a:t>1.1.1</a:t>
                       </a:r>
                       <a:endParaRPr lang="fr-FR" dirty="0"/>
@@ -3627,7 +3627,7 @@
                         <a:defRPr/>
                       </a:pPr>
                       <a:r>
-                        <a:rPr lang="en-US" dirty="0" smtClean="0"/>
+                        <a:rPr lang="en-US" b="0" i="0" strike="noStrike" dirty="0" smtClean="0"/>
                         <a:t>1.1.2</a:t>
                       </a:r>
                       <a:endParaRPr lang="fr-FR" dirty="0" smtClean="0"/>
@@ -3641,7 +3641,7 @@
                     <a:lstStyle/>
                     <a:p>
                       <a:r>
-                        <a:rPr lang="en-US" dirty="0" smtClean="0"/>
+                        <a:rPr lang="en-US" b="0" i="0" strike="noStrike" dirty="0" smtClean="0"/>
                         <a:t>1.1.3</a:t>
                       </a:r>
                       <a:endParaRPr lang="fr-FR" dirty="0"/>
@@ -3655,7 +3655,7 @@
                     <a:lstStyle/>
                     <a:p>
                       <a:r>
-                        <a:rPr lang="en-US" dirty="0" smtClean="0"/>
+                        <a:rPr lang="en-US" b="0" i="0" strike="noStrike" dirty="0" smtClean="0"/>
                         <a:t>1.1.4</a:t>
                       </a:r>
                       <a:endParaRPr lang="fr-FR" dirty="0"/>
@@ -3669,7 +3669,7 @@
                     <a:lstStyle/>
                     <a:p>
                       <a:r>
-                        <a:rPr lang="en-US" dirty="0" smtClean="0"/>
+                        <a:rPr lang="en-US" b="0" i="0" strike="noStrike" dirty="0" smtClean="0"/>
                         <a:t>1.1.5</a:t>
                       </a:r>
                       <a:endParaRPr lang="fr-FR" dirty="0"/>
@@ -3683,7 +3683,7 @@
                     <a:lstStyle/>
                     <a:p>
                       <a:r>
-                        <a:rPr lang="en-US" dirty="0" smtClean="0"/>
+                        <a:rPr lang="en-US" b="0" i="0" strike="noStrike" dirty="0" smtClean="0"/>
                         <a:t>1.1.6</a:t>
                       </a:r>
                       <a:endParaRPr lang="fr-FR" dirty="0"/>
@@ -3699,7 +3699,7 @@
                     <a:lstStyle/>
                     <a:p>
                       <a:r>
-                        <a:rPr lang="en-US" dirty="0" smtClean="0"/>
+                        <a:rPr lang="en-US" b="0" i="0" strike="noStrike" dirty="0" smtClean="0"/>
                         <a:t>1.2.1</a:t>
                       </a:r>
                       <a:endParaRPr lang="fr-FR" dirty="0"/>
@@ -3730,7 +3730,7 @@
                         <a:defRPr/>
                       </a:pPr>
                       <a:r>
-                        <a:rPr lang="en-US" dirty="0" smtClean="0"/>
+                        <a:rPr lang="en-US" b="0" i="0" strike="noStrike" dirty="0" smtClean="0"/>
                         <a:t>1.2.2</a:t>
                       </a:r>
                       <a:endParaRPr lang="fr-FR" dirty="0" smtClean="0"/>
@@ -3744,7 +3744,7 @@
                     <a:lstStyle/>
                     <a:p>
                       <a:r>
-                        <a:rPr lang="en-US" dirty="0" smtClean="0"/>
+                        <a:rPr lang="en-US" b="0" i="0" strike="noStrike" dirty="0" smtClean="0"/>
                         <a:t>1.2.3</a:t>
                       </a:r>
                       <a:endParaRPr lang="fr-FR" dirty="0"/>
@@ -3758,7 +3758,7 @@
                     <a:lstStyle/>
                     <a:p>
                       <a:r>
-                        <a:rPr lang="en-US" dirty="0" smtClean="0"/>
+                        <a:rPr lang="en-US" b="0" i="0" strike="noStrike" dirty="0" smtClean="0"/>
                         <a:t>1.2.4</a:t>
                       </a:r>
                       <a:endParaRPr lang="fr-FR" dirty="0"/>
@@ -3772,7 +3772,7 @@
                     <a:lstStyle/>
                     <a:p>
                       <a:r>
-                        <a:rPr lang="en-US" dirty="0" smtClean="0"/>
+                        <a:rPr lang="en-US" b="0" i="0" strike="noStrike" dirty="0" smtClean="0"/>
                         <a:t>1.2.5</a:t>
                       </a:r>
                       <a:endParaRPr lang="fr-FR" dirty="0"/>
@@ -3786,7 +3786,7 @@
                     <a:lstStyle/>
                     <a:p>
                       <a:r>
-                        <a:rPr lang="en-US" dirty="0" smtClean="0"/>
+                        <a:rPr lang="en-US" b="0" i="0" strike="noStrike" dirty="0" smtClean="0"/>
                         <a:t>1.2.6</a:t>
                       </a:r>
                       <a:endParaRPr lang="fr-FR" dirty="0"/>
@@ -4198,7 +4198,7 @@
                     <a:lstStyle/>
                     <a:p>
                       <a:r>
-                        <a:rPr lang="en-US" sz="1800" b="0" i="0" u="none" dirty="0" smtClean="0"/>
+                        <a:rPr lang="en-US" sz="1800" b="0" i="0" u="none" strike="noStrike" dirty="0" smtClean="0"/>
                         <a:t>1.3.1</a:t>
                       </a:r>
                       <a:endParaRPr lang="fr-FR" sz="1800" b="0" i="0" u="none" dirty="0"/>
@@ -4229,7 +4229,7 @@
                         <a:defRPr/>
                       </a:pPr>
                       <a:r>
-                        <a:rPr lang="en-US" dirty="0" smtClean="0"/>
+                        <a:rPr lang="en-US" b="0" i="0" strike="noStrike" dirty="0" smtClean="0"/>
                         <a:t>1.3.2</a:t>
                       </a:r>
                       <a:endParaRPr lang="fr-FR" dirty="0" smtClean="0"/>
@@ -4243,7 +4243,7 @@
                     <a:lstStyle/>
                     <a:p>
                       <a:r>
-                        <a:rPr lang="en-US" dirty="0" smtClean="0"/>
+                        <a:rPr lang="en-US" b="0" i="0" strike="noStrike" dirty="0" smtClean="0"/>
                         <a:t>1.3.3</a:t>
                       </a:r>
                       <a:endParaRPr lang="fr-FR" dirty="0"/>
@@ -4257,7 +4257,7 @@
                     <a:lstStyle/>
                     <a:p>
                       <a:r>
-                        <a:rPr lang="en-US" dirty="0" smtClean="0"/>
+                        <a:rPr lang="en-US" b="0" i="0" strike="noStrike" dirty="0" smtClean="0"/>
                         <a:t>1.3.4</a:t>
                       </a:r>
                       <a:endParaRPr lang="fr-FR" dirty="0"/>
@@ -4271,7 +4271,7 @@
                     <a:lstStyle/>
                     <a:p>
                       <a:r>
-                        <a:rPr lang="en-US" dirty="0" smtClean="0"/>
+                        <a:rPr lang="en-US" b="0" i="0" strike="noStrike" dirty="0" smtClean="0"/>
                         <a:t>1.3.5</a:t>
                       </a:r>
                       <a:endParaRPr lang="fr-FR" dirty="0"/>
@@ -4285,7 +4285,7 @@
                     <a:lstStyle/>
                     <a:p>
                       <a:r>
-                        <a:rPr lang="en-US" dirty="0" smtClean="0"/>
+                        <a:rPr lang="en-US" b="0" i="0" strike="noStrike" dirty="0" smtClean="0"/>
                         <a:t>1.3.6</a:t>
                       </a:r>
                       <a:endParaRPr lang="fr-FR" dirty="0"/>
@@ -4301,7 +4301,7 @@
                     <a:lstStyle/>
                     <a:p>
                       <a:r>
-                        <a:rPr lang="en-US" dirty="0" smtClean="0"/>
+                        <a:rPr lang="en-US" b="0" i="0" strike="noStrike" dirty="0" smtClean="0"/>
                         <a:t>1.4.1</a:t>
                       </a:r>
                       <a:endParaRPr lang="fr-FR" dirty="0"/>
@@ -4332,7 +4332,7 @@
                         <a:defRPr/>
                       </a:pPr>
                       <a:r>
-                        <a:rPr lang="en-US" dirty="0" smtClean="0"/>
+                        <a:rPr lang="en-US" b="0" i="0" strike="noStrike" dirty="0" smtClean="0"/>
                         <a:t>1.4.2</a:t>
                       </a:r>
                       <a:endParaRPr lang="fr-FR" dirty="0" smtClean="0"/>
@@ -4346,7 +4346,7 @@
                     <a:lstStyle/>
                     <a:p>
                       <a:r>
-                        <a:rPr lang="en-US" dirty="0" smtClean="0"/>
+                        <a:rPr lang="en-US" b="0" i="0" strike="noStrike" dirty="0" smtClean="0"/>
                         <a:t>1.4.3</a:t>
                       </a:r>
                       <a:endParaRPr lang="fr-FR" dirty="0"/>
@@ -4360,7 +4360,7 @@
                     <a:lstStyle/>
                     <a:p>
                       <a:r>
-                        <a:rPr lang="en-US" dirty="0" smtClean="0"/>
+                        <a:rPr lang="en-US" b="0" i="0" strike="noStrike" dirty="0" smtClean="0"/>
                         <a:t>1.4.4</a:t>
                       </a:r>
                       <a:endParaRPr lang="fr-FR" dirty="0"/>
@@ -4374,7 +4374,7 @@
                     <a:lstStyle/>
                     <a:p>
                       <a:r>
-                        <a:rPr lang="en-US" dirty="0" smtClean="0"/>
+                        <a:rPr lang="en-US" b="0" i="0" strike="noStrike" dirty="0" smtClean="0"/>
                         <a:t>1.4.5</a:t>
                       </a:r>
                       <a:endParaRPr lang="fr-FR" dirty="0"/>
@@ -4388,7 +4388,7 @@
                     <a:lstStyle/>
                     <a:p>
                       <a:r>
-                        <a:rPr lang="en-US" dirty="0" smtClean="0"/>
+                        <a:rPr lang="en-US" b="0" i="0" strike="noStrike" dirty="0" smtClean="0"/>
                         <a:t>1.4.6</a:t>
                       </a:r>
                       <a:endParaRPr lang="fr-FR" dirty="0"/>
@@ -4404,7 +4404,7 @@
                     <a:lstStyle/>
                     <a:p>
                       <a:r>
-                        <a:rPr lang="en-US" dirty="0" smtClean="0"/>
+                        <a:rPr lang="en-US" b="0" i="0" strike="noStrike" dirty="0" smtClean="0"/>
                         <a:t>1.5.1</a:t>
                       </a:r>
                       <a:endParaRPr lang="fr-FR" dirty="0"/>
@@ -4435,7 +4435,7 @@
                         <a:defRPr/>
                       </a:pPr>
                       <a:r>
-                        <a:rPr lang="en-US" dirty="0" smtClean="0"/>
+                        <a:rPr lang="en-US" b="0" i="0" strike="noStrike" dirty="0" smtClean="0"/>
                         <a:t>1.5.2</a:t>
                       </a:r>
                       <a:endParaRPr lang="fr-FR" dirty="0" smtClean="0"/>
@@ -4449,7 +4449,7 @@
                     <a:lstStyle/>
                     <a:p>
                       <a:r>
-                        <a:rPr lang="en-US" dirty="0" smtClean="0"/>
+                        <a:rPr lang="en-US" b="0" i="0" strike="noStrike" dirty="0" smtClean="0"/>
                         <a:t>1.5.3</a:t>
                       </a:r>
                       <a:endParaRPr lang="fr-FR" dirty="0"/>
@@ -4463,7 +4463,7 @@
                     <a:lstStyle/>
                     <a:p>
                       <a:r>
-                        <a:rPr lang="en-US" dirty="0" smtClean="0"/>
+                        <a:rPr lang="en-US" b="0" i="0" strike="noStrike" dirty="0" smtClean="0"/>
                         <a:t>1.5.4</a:t>
                       </a:r>
                       <a:endParaRPr lang="fr-FR" dirty="0"/>
@@ -4477,7 +4477,7 @@
                     <a:lstStyle/>
                     <a:p>
                       <a:r>
-                        <a:rPr lang="en-US" dirty="0" smtClean="0"/>
+                        <a:rPr lang="en-US" b="0" i="0" strike="noStrike" dirty="0" smtClean="0"/>
                         <a:t>1.5.5</a:t>
                       </a:r>
                       <a:endParaRPr lang="fr-FR" dirty="0"/>
@@ -4491,7 +4491,7 @@
                     <a:lstStyle/>
                     <a:p>
                       <a:r>
-                        <a:rPr lang="en-US" dirty="0" smtClean="0"/>
+                        <a:rPr lang="en-US" b="0" i="0" strike="noStrike" dirty="0" smtClean="0"/>
                         <a:t>1.5.6</a:t>
                       </a:r>
                       <a:endParaRPr lang="fr-FR" dirty="0"/>
@@ -4903,7 +4903,7 @@
                     <a:lstStyle/>
                     <a:p>
                       <a:r>
-                        <a:rPr lang="en-US" sz="1800" b="0" i="0" u="none" dirty="0" smtClean="0"/>
+                        <a:rPr lang="en-US" sz="1800" b="0" i="0" u="none" strike="noStrike" dirty="0" smtClean="0"/>
                         <a:t>1.6.1</a:t>
                       </a:r>
                       <a:endParaRPr lang="fr-FR" sz="1800" b="0" i="0" u="none" dirty="0"/>
@@ -4934,7 +4934,7 @@
                         <a:defRPr/>
                       </a:pPr>
                       <a:r>
-                        <a:rPr lang="en-US" dirty="0" smtClean="0"/>
+                        <a:rPr lang="en-US" b="0" i="0" strike="noStrike" dirty="0" smtClean="0"/>
                         <a:t>1.6.2</a:t>
                       </a:r>
                       <a:endParaRPr lang="fr-FR" dirty="0" smtClean="0"/>
@@ -4948,7 +4948,7 @@
                     <a:lstStyle/>
                     <a:p>
                       <a:r>
-                        <a:rPr lang="en-US" dirty="0" smtClean="0"/>
+                        <a:rPr lang="en-US" b="0" i="0" strike="noStrike" dirty="0" smtClean="0"/>
                         <a:t>1.6.3</a:t>
                       </a:r>
                       <a:endParaRPr lang="fr-FR" dirty="0"/>
@@ -4962,7 +4962,7 @@
                     <a:lstStyle/>
                     <a:p>
                       <a:r>
-                        <a:rPr lang="en-US" dirty="0" smtClean="0"/>
+                        <a:rPr lang="en-US" b="0" i="0" strike="noStrike" dirty="0" smtClean="0"/>
                         <a:t>1.6.4</a:t>
                       </a:r>
                       <a:endParaRPr lang="fr-FR" dirty="0"/>
@@ -4976,7 +4976,7 @@
                     <a:lstStyle/>
                     <a:p>
                       <a:r>
-                        <a:rPr lang="en-US" dirty="0" smtClean="0"/>
+                        <a:rPr lang="en-US" b="0" i="0" strike="noStrike" dirty="0" smtClean="0"/>
                         <a:t>1.6.5</a:t>
                       </a:r>
                       <a:endParaRPr lang="fr-FR" dirty="0"/>
@@ -4990,7 +4990,7 @@
                     <a:lstStyle/>
                     <a:p>
                       <a:r>
-                        <a:rPr lang="en-US" dirty="0" smtClean="0"/>
+                        <a:rPr lang="en-US" b="0" i="0" strike="noStrike" dirty="0" smtClean="0"/>
                         <a:t>1.6.6</a:t>
                       </a:r>
                       <a:endParaRPr lang="fr-FR" dirty="0"/>
@@ -5006,7 +5006,7 @@
                     <a:lstStyle/>
                     <a:p>
                       <a:r>
-                        <a:rPr lang="en-US" dirty="0" smtClean="0"/>
+                        <a:rPr lang="en-US" b="0" i="0" strike="noStrike" dirty="0" smtClean="0"/>
                         <a:t>1.7.1</a:t>
                       </a:r>
                       <a:endParaRPr lang="fr-FR" dirty="0"/>
@@ -5037,7 +5037,7 @@
                         <a:defRPr/>
                       </a:pPr>
                       <a:r>
-                        <a:rPr lang="en-US" dirty="0" smtClean="0"/>
+                        <a:rPr lang="en-US" b="0" i="0" strike="noStrike" dirty="0" smtClean="0"/>
                         <a:t>1.7.2</a:t>
                       </a:r>
                       <a:endParaRPr lang="fr-FR" dirty="0" smtClean="0"/>
@@ -5051,7 +5051,7 @@
                     <a:lstStyle/>
                     <a:p>
                       <a:r>
-                        <a:rPr lang="en-US" dirty="0" smtClean="0"/>
+                        <a:rPr lang="en-US" b="0" i="0" strike="noStrike" dirty="0" smtClean="0"/>
                         <a:t>1.7.3</a:t>
                       </a:r>
                       <a:endParaRPr lang="fr-FR" dirty="0"/>
@@ -5065,7 +5065,7 @@
                     <a:lstStyle/>
                     <a:p>
                       <a:r>
-                        <a:rPr lang="en-US" dirty="0" smtClean="0"/>
+                        <a:rPr lang="en-US" b="0" i="0" strike="noStrike" dirty="0" smtClean="0"/>
                         <a:t>1.7.4</a:t>
                       </a:r>
                       <a:endParaRPr lang="fr-FR" dirty="0"/>
@@ -5079,7 +5079,7 @@
                     <a:lstStyle/>
                     <a:p>
                       <a:r>
-                        <a:rPr lang="en-US" dirty="0" smtClean="0"/>
+                        <a:rPr lang="en-US" b="0" i="0" strike="noStrike" dirty="0" smtClean="0"/>
                         <a:t>1.7.5</a:t>
                       </a:r>
                       <a:endParaRPr lang="fr-FR" dirty="0"/>
@@ -5093,7 +5093,7 @@
                     <a:lstStyle/>
                     <a:p>
                       <a:r>
-                        <a:rPr lang="en-US" dirty="0" smtClean="0"/>
+                        <a:rPr lang="en-US" b="0" i="0" strike="noStrike" dirty="0" smtClean="0"/>
                         <a:t>1.7.6</a:t>
                       </a:r>
                       <a:endParaRPr lang="fr-FR" dirty="0"/>
@@ -5109,7 +5109,7 @@
                     <a:lstStyle/>
                     <a:p>
                       <a:r>
-                        <a:rPr lang="en-US" dirty="0" smtClean="0"/>
+                        <a:rPr lang="en-US" b="0" i="0" strike="noStrike" dirty="0" smtClean="0"/>
                         <a:t>1.8.1</a:t>
                       </a:r>
                       <a:endParaRPr lang="fr-FR" dirty="0"/>
@@ -5140,7 +5140,7 @@
                         <a:defRPr/>
                       </a:pPr>
                       <a:r>
-                        <a:rPr lang="en-US" dirty="0" smtClean="0"/>
+                        <a:rPr lang="en-US" b="0" i="0" strike="noStrike" dirty="0" smtClean="0"/>
                         <a:t>1.8.2</a:t>
                       </a:r>
                       <a:endParaRPr lang="fr-FR" dirty="0" smtClean="0"/>
@@ -5154,7 +5154,7 @@
                     <a:lstStyle/>
                     <a:p>
                       <a:r>
-                        <a:rPr lang="en-US" dirty="0" smtClean="0"/>
+                        <a:rPr lang="en-US" b="0" i="0" strike="noStrike" dirty="0" smtClean="0"/>
                         <a:t>1.8.3</a:t>
                       </a:r>
                       <a:endParaRPr lang="fr-FR" dirty="0"/>
@@ -5168,7 +5168,7 @@
                     <a:lstStyle/>
                     <a:p>
                       <a:r>
-                        <a:rPr lang="en-US" dirty="0" smtClean="0"/>
+                        <a:rPr lang="en-US" b="0" i="0" strike="noStrike" dirty="0" smtClean="0"/>
                         <a:t>1.8.4</a:t>
                       </a:r>
                       <a:endParaRPr lang="fr-FR" dirty="0"/>
@@ -5182,7 +5182,7 @@
                     <a:lstStyle/>
                     <a:p>
                       <a:r>
-                        <a:rPr lang="en-US" dirty="0" smtClean="0"/>
+                        <a:rPr lang="en-US" b="0" i="0" strike="noStrike" dirty="0" smtClean="0"/>
                         <a:t>1.8.5</a:t>
                       </a:r>
                       <a:endParaRPr lang="fr-FR" dirty="0"/>
@@ -5196,7 +5196,7 @@
                     <a:lstStyle/>
                     <a:p>
                       <a:r>
-                        <a:rPr lang="en-US" dirty="0" smtClean="0"/>
+                        <a:rPr lang="en-US" b="0" i="0" strike="noStrike" dirty="0" smtClean="0"/>
                         <a:t>1.8.6</a:t>
                       </a:r>
                       <a:endParaRPr lang="fr-FR" dirty="0"/>
@@ -5608,7 +5608,7 @@
                     <a:lstStyle/>
                     <a:p>
                       <a:r>
-                        <a:rPr lang="en-US" sz="1800" b="0" i="0" u="none" dirty="0" smtClean="0"/>
+                        <a:rPr lang="en-US" sz="1800" b="0" i="0" u="none" strike="noStrike" dirty="0" smtClean="0"/>
                         <a:t>1.9.1</a:t>
                       </a:r>
                       <a:endParaRPr lang="fr-FR" sz="1800" b="0" i="0" u="none" dirty="0"/>
@@ -5639,7 +5639,7 @@
                         <a:defRPr/>
                       </a:pPr>
                       <a:r>
-                        <a:rPr lang="en-US" dirty="0" smtClean="0"/>
+                        <a:rPr lang="en-US" b="0" i="0" strike="noStrike" dirty="0" smtClean="0"/>
                         <a:t>1.9.2</a:t>
                       </a:r>
                       <a:endParaRPr lang="fr-FR" dirty="0" smtClean="0"/>
@@ -5653,7 +5653,7 @@
                     <a:lstStyle/>
                     <a:p>
                       <a:r>
-                        <a:rPr lang="en-US" dirty="0" smtClean="0"/>
+                        <a:rPr lang="en-US" b="0" i="0" strike="noStrike" dirty="0" smtClean="0"/>
                         <a:t>1.9.3</a:t>
                       </a:r>
                       <a:endParaRPr lang="fr-FR" dirty="0"/>
@@ -5667,7 +5667,7 @@
                     <a:lstStyle/>
                     <a:p>
                       <a:r>
-                        <a:rPr lang="en-US" dirty="0" smtClean="0"/>
+                        <a:rPr lang="en-US" b="0" i="0" strike="noStrike" dirty="0" smtClean="0"/>
                         <a:t>1.9.4</a:t>
                       </a:r>
                       <a:endParaRPr lang="fr-FR" dirty="0"/>
@@ -5681,7 +5681,7 @@
                     <a:lstStyle/>
                     <a:p>
                       <a:r>
-                        <a:rPr lang="en-US" dirty="0" smtClean="0"/>
+                        <a:rPr lang="en-US" b="0" i="0" strike="noStrike" dirty="0" smtClean="0"/>
                         <a:t>1.9.5</a:t>
                       </a:r>
                       <a:endParaRPr lang="fr-FR" dirty="0"/>
@@ -5695,7 +5695,7 @@
                     <a:lstStyle/>
                     <a:p>
                       <a:r>
-                        <a:rPr lang="en-US" dirty="0" smtClean="0"/>
+                        <a:rPr lang="en-US" b="0" i="0" strike="noStrike" dirty="0" smtClean="0"/>
                         <a:t>1.9.6</a:t>
                       </a:r>
                       <a:endParaRPr lang="fr-FR" dirty="0"/>

--- a/PowerpointTemplater.Tests/files/ReplaceTables_output2.pptx
+++ b/PowerpointTemplater.Tests/files/ReplaceTables_output2.pptx
@@ -6,10 +6,10 @@
   </p:sldMasterIdLst>
   <p:sldIdLst>
     <p:sldId id="256" r:id="rId2"/>
-    <p:sldId id="259" r:id="Re558723a54df4521"/>
-    <p:sldId id="260" r:id="Rcad4be8865d64af2"/>
-    <p:sldId id="261" r:id="Re2d68227ceb241cd"/>
-    <p:sldId id="262" r:id="R163b06c83030451f"/>
+    <p:sldId id="259" r:id="R9f3643d79118458d"/>
+    <p:sldId id="260" r:id="R97d0527948d94558"/>
+    <p:sldId id="261" r:id="Rb6de5829aacc40a2"/>
+    <p:sldId id="262" r:id="Rc062569e54144bc7"/>
     <p:sldId id="258" r:id="rId4"/>
   </p:sldIdLst>
   <p:sldSz cx="9144000" cy="6858000" type="screen4x3"/>
@@ -3320,7 +3320,7 @@
           </p:nvPr>
         </p:nvPicPr>
         <p:blipFill>
-          <a:blip r:embed="Redffbd0efcfc4266">
+          <a:blip r:embed="R62e43c4b8c204b61">
             <a:extLst>
               <a:ext uri="{28A0092B-C50C-407E-A947-70E740481C1C}">
                 <a14:useLocalDpi xmlns:a14="http://schemas.microsoft.com/office/drawing/2010/main" val="0"/>
